--- a/Slides/slides_fx2_crises_f14.pptx
+++ b/Slides/slides_fx2_crises_f14.pptx
@@ -2613,11 +2613,11 @@
           <c:showBubbleSize val="0"/>
         </c:dLbls>
         <c:smooth val="0"/>
-        <c:axId val="209009072"/>
-        <c:axId val="209008680"/>
+        <c:axId val="53577136"/>
+        <c:axId val="53577920"/>
       </c:lineChart>
       <c:dateAx>
-        <c:axId val="209009072"/>
+        <c:axId val="53577136"/>
         <c:scaling>
           <c:orientation val="minMax"/>
         </c:scaling>
@@ -2628,7 +2628,7 @@
         <c:majorTickMark val="none"/>
         <c:minorTickMark val="none"/>
         <c:tickLblPos val="low"/>
-        <c:crossAx val="209008680"/>
+        <c:crossAx val="53577920"/>
         <c:crosses val="autoZero"/>
         <c:auto val="1"/>
         <c:lblOffset val="100"/>
@@ -2636,7 +2636,7 @@
         <c:minorUnit val="40"/>
       </c:dateAx>
       <c:valAx>
-        <c:axId val="209008680"/>
+        <c:axId val="53577920"/>
         <c:scaling>
           <c:orientation val="minMax"/>
           <c:min val="2"/>
@@ -2653,7 +2653,7 @@
             <a:noFill/>
           </a:ln>
         </c:spPr>
-        <c:crossAx val="209009072"/>
+        <c:crossAx val="53577136"/>
         <c:crosses val="autoZero"/>
         <c:crossBetween val="between"/>
       </c:valAx>
@@ -2795,11 +2795,11 @@
           <c:showBubbleSize val="0"/>
         </c:dLbls>
         <c:gapWidth val="150"/>
-        <c:axId val="209007504"/>
-        <c:axId val="209007112"/>
+        <c:axId val="199755912"/>
+        <c:axId val="199755520"/>
       </c:barChart>
       <c:catAx>
-        <c:axId val="209007504"/>
+        <c:axId val="199755912"/>
         <c:scaling>
           <c:orientation val="minMax"/>
         </c:scaling>
@@ -2809,7 +2809,7 @@
         <c:majorTickMark val="out"/>
         <c:minorTickMark val="none"/>
         <c:tickLblPos val="nextTo"/>
-        <c:crossAx val="209007112"/>
+        <c:crossAx val="199755520"/>
         <c:crosses val="autoZero"/>
         <c:auto val="1"/>
         <c:lblAlgn val="ctr"/>
@@ -2817,7 +2817,7 @@
         <c:noMultiLvlLbl val="0"/>
       </c:catAx>
       <c:valAx>
-        <c:axId val="209007112"/>
+        <c:axId val="199755520"/>
         <c:scaling>
           <c:orientation val="minMax"/>
         </c:scaling>
@@ -2828,7 +2828,7 @@
         <c:majorTickMark val="out"/>
         <c:minorTickMark val="none"/>
         <c:tickLblPos val="nextTo"/>
-        <c:crossAx val="209007504"/>
+        <c:crossAx val="199755912"/>
         <c:crosses val="autoZero"/>
         <c:crossBetween val="between"/>
       </c:valAx>
@@ -5170,11 +5170,11 @@
           <c:showBubbleSize val="0"/>
         </c:dLbls>
         <c:smooth val="0"/>
-        <c:axId val="205304520"/>
-        <c:axId val="205304912"/>
+        <c:axId val="202501688"/>
+        <c:axId val="202501296"/>
       </c:lineChart>
       <c:dateAx>
-        <c:axId val="205304520"/>
+        <c:axId val="202501688"/>
         <c:scaling>
           <c:orientation val="minMax"/>
         </c:scaling>
@@ -5185,7 +5185,7 @@
         <c:majorTickMark val="none"/>
         <c:minorTickMark val="none"/>
         <c:tickLblPos val="low"/>
-        <c:crossAx val="205304912"/>
+        <c:crossAx val="202501296"/>
         <c:crosses val="autoZero"/>
         <c:auto val="1"/>
         <c:lblOffset val="100"/>
@@ -5193,7 +5193,7 @@
         <c:minorUnit val="40"/>
       </c:dateAx>
       <c:valAx>
-        <c:axId val="205304912"/>
+        <c:axId val="202501296"/>
         <c:scaling>
           <c:orientation val="minMax"/>
           <c:min val="2"/>
@@ -5210,7 +5210,7 @@
             <a:noFill/>
           </a:ln>
         </c:spPr>
-        <c:crossAx val="205304520"/>
+        <c:crossAx val="202501688"/>
         <c:crosses val="autoZero"/>
         <c:crossBetween val="between"/>
       </c:valAx>
@@ -5352,11 +5352,11 @@
           <c:showBubbleSize val="0"/>
         </c:dLbls>
         <c:gapWidth val="150"/>
-        <c:axId val="205307656"/>
-        <c:axId val="205308048"/>
+        <c:axId val="202495024"/>
+        <c:axId val="202500512"/>
       </c:barChart>
       <c:catAx>
-        <c:axId val="205307656"/>
+        <c:axId val="202495024"/>
         <c:scaling>
           <c:orientation val="minMax"/>
         </c:scaling>
@@ -5366,7 +5366,7 @@
         <c:majorTickMark val="out"/>
         <c:minorTickMark val="none"/>
         <c:tickLblPos val="nextTo"/>
-        <c:crossAx val="205308048"/>
+        <c:crossAx val="202500512"/>
         <c:crosses val="autoZero"/>
         <c:auto val="1"/>
         <c:lblAlgn val="ctr"/>
@@ -5374,7 +5374,7 @@
         <c:noMultiLvlLbl val="0"/>
       </c:catAx>
       <c:valAx>
-        <c:axId val="205308048"/>
+        <c:axId val="202500512"/>
         <c:scaling>
           <c:orientation val="minMax"/>
         </c:scaling>
@@ -5385,7 +5385,7 @@
         <c:majorTickMark val="out"/>
         <c:minorTickMark val="none"/>
         <c:tickLblPos val="nextTo"/>
-        <c:crossAx val="205307656"/>
+        <c:crossAx val="202495024"/>
         <c:crosses val="autoZero"/>
         <c:crossBetween val="between"/>
       </c:valAx>
@@ -5614,11 +5614,11 @@
           <c:showBubbleSize val="0"/>
         </c:dLbls>
         <c:gapWidth val="150"/>
-        <c:axId val="208816840"/>
-        <c:axId val="208816448"/>
+        <c:axId val="202499336"/>
+        <c:axId val="202498944"/>
       </c:barChart>
       <c:catAx>
-        <c:axId val="208816840"/>
+        <c:axId val="202499336"/>
         <c:scaling>
           <c:orientation val="minMax"/>
         </c:scaling>
@@ -5628,7 +5628,7 @@
         <c:majorTickMark val="out"/>
         <c:minorTickMark val="none"/>
         <c:tickLblPos val="nextTo"/>
-        <c:crossAx val="208816448"/>
+        <c:crossAx val="202498944"/>
         <c:crosses val="autoZero"/>
         <c:auto val="1"/>
         <c:lblAlgn val="ctr"/>
@@ -5636,7 +5636,7 @@
         <c:noMultiLvlLbl val="0"/>
       </c:catAx>
       <c:valAx>
-        <c:axId val="208816448"/>
+        <c:axId val="202498944"/>
         <c:scaling>
           <c:orientation val="minMax"/>
         </c:scaling>
@@ -5647,7 +5647,7 @@
         <c:majorTickMark val="out"/>
         <c:minorTickMark val="none"/>
         <c:tickLblPos val="nextTo"/>
-        <c:crossAx val="208816840"/>
+        <c:crossAx val="202499336"/>
         <c:crosses val="autoZero"/>
         <c:crossBetween val="between"/>
       </c:valAx>
@@ -5803,11 +5803,11 @@
           <c:showBubbleSize val="0"/>
         </c:dLbls>
         <c:gapWidth val="150"/>
-        <c:axId val="205308832"/>
-        <c:axId val="205309224"/>
+        <c:axId val="198523584"/>
+        <c:axId val="198525936"/>
       </c:barChart>
       <c:catAx>
-        <c:axId val="205308832"/>
+        <c:axId val="198523584"/>
         <c:scaling>
           <c:orientation val="minMax"/>
         </c:scaling>
@@ -5817,7 +5817,7 @@
         <c:majorTickMark val="out"/>
         <c:minorTickMark val="none"/>
         <c:tickLblPos val="nextTo"/>
-        <c:crossAx val="205309224"/>
+        <c:crossAx val="198525936"/>
         <c:crosses val="autoZero"/>
         <c:auto val="1"/>
         <c:lblAlgn val="ctr"/>
@@ -5825,7 +5825,7 @@
         <c:noMultiLvlLbl val="0"/>
       </c:catAx>
       <c:valAx>
-        <c:axId val="205309224"/>
+        <c:axId val="198525936"/>
         <c:scaling>
           <c:orientation val="minMax"/>
         </c:scaling>
@@ -5836,7 +5836,7 @@
         <c:majorTickMark val="out"/>
         <c:minorTickMark val="none"/>
         <c:tickLblPos val="nextTo"/>
-        <c:crossAx val="205308832"/>
+        <c:crossAx val="198523584"/>
         <c:crosses val="autoZero"/>
         <c:crossBetween val="between"/>
       </c:valAx>
@@ -5978,11 +5978,11 @@
           <c:showBubbleSize val="0"/>
         </c:dLbls>
         <c:gapWidth val="150"/>
-        <c:axId val="205309616"/>
-        <c:axId val="205310008"/>
+        <c:axId val="202495416"/>
+        <c:axId val="202497768"/>
       </c:barChart>
       <c:catAx>
-        <c:axId val="205309616"/>
+        <c:axId val="202495416"/>
         <c:scaling>
           <c:orientation val="minMax"/>
         </c:scaling>
@@ -5992,7 +5992,7 @@
         <c:majorTickMark val="out"/>
         <c:minorTickMark val="none"/>
         <c:tickLblPos val="nextTo"/>
-        <c:crossAx val="205310008"/>
+        <c:crossAx val="202497768"/>
         <c:crosses val="autoZero"/>
         <c:auto val="1"/>
         <c:lblAlgn val="ctr"/>
@@ -6000,7 +6000,7 @@
         <c:noMultiLvlLbl val="0"/>
       </c:catAx>
       <c:valAx>
-        <c:axId val="205310008"/>
+        <c:axId val="202497768"/>
         <c:scaling>
           <c:orientation val="minMax"/>
         </c:scaling>
@@ -6011,7 +6011,7 @@
         <c:majorTickMark val="out"/>
         <c:minorTickMark val="none"/>
         <c:tickLblPos val="nextTo"/>
-        <c:crossAx val="205309616"/>
+        <c:crossAx val="202495416"/>
         <c:crosses val="autoZero"/>
         <c:crossBetween val="between"/>
       </c:valAx>
@@ -6212,11 +6212,11 @@
           <c:showBubbleSize val="0"/>
         </c:dLbls>
         <c:gapWidth val="150"/>
-        <c:axId val="204882552"/>
-        <c:axId val="204882160"/>
+        <c:axId val="202495808"/>
+        <c:axId val="198397104"/>
       </c:barChart>
       <c:catAx>
-        <c:axId val="204882552"/>
+        <c:axId val="202495808"/>
         <c:scaling>
           <c:orientation val="minMax"/>
         </c:scaling>
@@ -6226,7 +6226,7 @@
         <c:majorTickMark val="out"/>
         <c:minorTickMark val="none"/>
         <c:tickLblPos val="nextTo"/>
-        <c:crossAx val="204882160"/>
+        <c:crossAx val="198397104"/>
         <c:crosses val="autoZero"/>
         <c:auto val="1"/>
         <c:lblAlgn val="ctr"/>
@@ -6234,7 +6234,7 @@
         <c:noMultiLvlLbl val="0"/>
       </c:catAx>
       <c:valAx>
-        <c:axId val="204882160"/>
+        <c:axId val="198397104"/>
         <c:scaling>
           <c:orientation val="minMax"/>
         </c:scaling>
@@ -6245,7 +6245,7 @@
         <c:majorTickMark val="out"/>
         <c:minorTickMark val="none"/>
         <c:tickLblPos val="nextTo"/>
-        <c:crossAx val="204882552"/>
+        <c:crossAx val="202495808"/>
         <c:crosses val="autoZero"/>
         <c:crossBetween val="between"/>
       </c:valAx>
@@ -8073,11 +8073,11 @@
           <c:showBubbleSize val="0"/>
         </c:dLbls>
         <c:smooth val="0"/>
-        <c:axId val="204880592"/>
-        <c:axId val="204881376"/>
+        <c:axId val="199759048"/>
+        <c:axId val="199758656"/>
       </c:lineChart>
       <c:dateAx>
-        <c:axId val="204880592"/>
+        <c:axId val="199759048"/>
         <c:scaling>
           <c:orientation val="minMax"/>
         </c:scaling>
@@ -8087,14 +8087,14 @@
         <c:majorTickMark val="out"/>
         <c:minorTickMark val="none"/>
         <c:tickLblPos val="nextTo"/>
-        <c:crossAx val="204881376"/>
+        <c:crossAx val="199758656"/>
         <c:crosses val="autoZero"/>
         <c:auto val="0"/>
         <c:lblOffset val="100"/>
         <c:baseTimeUnit val="months"/>
       </c:dateAx>
       <c:valAx>
-        <c:axId val="204881376"/>
+        <c:axId val="199758656"/>
         <c:scaling>
           <c:orientation val="minMax"/>
         </c:scaling>
@@ -8105,7 +8105,7 @@
         <c:majorTickMark val="out"/>
         <c:minorTickMark val="none"/>
         <c:tickLblPos val="nextTo"/>
-        <c:crossAx val="204880592"/>
+        <c:crossAx val="199759048"/>
         <c:crosses val="autoZero"/>
         <c:crossBetween val="between"/>
       </c:valAx>
@@ -9583,11 +9583,11 @@
           <c:showBubbleSize val="0"/>
         </c:dLbls>
         <c:smooth val="0"/>
-        <c:axId val="205395048"/>
-        <c:axId val="205397008"/>
+        <c:axId val="199757872"/>
+        <c:axId val="199757480"/>
       </c:lineChart>
       <c:dateAx>
-        <c:axId val="205395048"/>
+        <c:axId val="199757872"/>
         <c:scaling>
           <c:orientation val="minMax"/>
         </c:scaling>
@@ -9597,14 +9597,14 @@
         <c:majorTickMark val="out"/>
         <c:minorTickMark val="none"/>
         <c:tickLblPos val="nextTo"/>
-        <c:crossAx val="205397008"/>
+        <c:crossAx val="199757480"/>
         <c:crosses val="autoZero"/>
         <c:auto val="0"/>
         <c:lblOffset val="100"/>
         <c:baseTimeUnit val="months"/>
       </c:dateAx>
       <c:valAx>
-        <c:axId val="205397008"/>
+        <c:axId val="199757480"/>
         <c:scaling>
           <c:orientation val="minMax"/>
         </c:scaling>
@@ -9615,7 +9615,7 @@
         <c:majorTickMark val="out"/>
         <c:minorTickMark val="none"/>
         <c:tickLblPos val="nextTo"/>
-        <c:crossAx val="205395048"/>
+        <c:crossAx val="199757872"/>
         <c:crosses val="autoZero"/>
         <c:crossBetween val="between"/>
       </c:valAx>
@@ -10293,11 +10293,11 @@
           <c:showBubbleSize val="0"/>
         </c:dLbls>
         <c:smooth val="0"/>
-        <c:axId val="145809088"/>
-        <c:axId val="145806736"/>
+        <c:axId val="199756696"/>
+        <c:axId val="199756304"/>
       </c:lineChart>
       <c:catAx>
-        <c:axId val="145809088"/>
+        <c:axId val="199756696"/>
         <c:scaling>
           <c:orientation val="minMax"/>
         </c:scaling>
@@ -10307,7 +10307,7 @@
         <c:majorTickMark val="out"/>
         <c:minorTickMark val="none"/>
         <c:tickLblPos val="nextTo"/>
-        <c:crossAx val="145806736"/>
+        <c:crossAx val="199756304"/>
         <c:crosses val="autoZero"/>
         <c:auto val="1"/>
         <c:lblAlgn val="ctr"/>
@@ -10315,7 +10315,7 @@
         <c:noMultiLvlLbl val="0"/>
       </c:catAx>
       <c:valAx>
-        <c:axId val="145806736"/>
+        <c:axId val="199756304"/>
         <c:scaling>
           <c:orientation val="minMax"/>
         </c:scaling>
@@ -10326,7 +10326,7 @@
         <c:majorTickMark val="out"/>
         <c:minorTickMark val="none"/>
         <c:tickLblPos val="nextTo"/>
-        <c:crossAx val="145809088"/>
+        <c:crossAx val="199756696"/>
         <c:crosses val="autoZero"/>
         <c:crossBetween val="between"/>
       </c:valAx>
@@ -11237,8 +11237,8 @@
           <c:showPercent val="0"/>
           <c:showBubbleSize val="0"/>
         </c:dLbls>
-        <c:axId val="208821152"/>
-        <c:axId val="208820760"/>
+        <c:axId val="199926680"/>
+        <c:axId val="199926288"/>
       </c:scatterChart>
       <c:scatterChart>
         <c:scatterStyle val="lineMarker"/>
@@ -13525,11 +13525,11 @@
           <c:showPercent val="0"/>
           <c:showBubbleSize val="0"/>
         </c:dLbls>
-        <c:axId val="208820368"/>
-        <c:axId val="208819976"/>
+        <c:axId val="199925896"/>
+        <c:axId val="199925504"/>
       </c:scatterChart>
       <c:valAx>
-        <c:axId val="208821152"/>
+        <c:axId val="199926680"/>
         <c:scaling>
           <c:orientation val="minMax"/>
           <c:max val="34591"/>
@@ -13566,13 +13566,13 @@
             <a:endParaRPr lang="en-US"/>
           </a:p>
         </c:txPr>
-        <c:crossAx val="208820760"/>
+        <c:crossAx val="199926288"/>
         <c:crosses val="autoZero"/>
         <c:crossBetween val="midCat"/>
         <c:majorUnit val="150"/>
       </c:valAx>
       <c:valAx>
-        <c:axId val="208820760"/>
+        <c:axId val="199926288"/>
         <c:scaling>
           <c:orientation val="minMax"/>
           <c:max val="3.2"/>
@@ -13648,12 +13648,12 @@
             <a:endParaRPr lang="en-US"/>
           </a:p>
         </c:txPr>
-        <c:crossAx val="208821152"/>
+        <c:crossAx val="199926680"/>
         <c:crosses val="autoZero"/>
         <c:crossBetween val="midCat"/>
       </c:valAx>
       <c:valAx>
-        <c:axId val="208820368"/>
+        <c:axId val="199925896"/>
         <c:scaling>
           <c:orientation val="minMax"/>
         </c:scaling>
@@ -13663,12 +13663,12 @@
         <c:majorTickMark val="out"/>
         <c:minorTickMark val="none"/>
         <c:tickLblPos val="none"/>
-        <c:crossAx val="208819976"/>
+        <c:crossAx val="199925504"/>
         <c:crosses val="autoZero"/>
         <c:crossBetween val="midCat"/>
       </c:valAx>
       <c:valAx>
-        <c:axId val="208819976"/>
+        <c:axId val="199925504"/>
         <c:scaling>
           <c:orientation val="minMax"/>
           <c:max val="4"/>
@@ -13705,7 +13705,7 @@
             <a:endParaRPr lang="en-US"/>
           </a:p>
         </c:txPr>
-        <c:crossAx val="208820368"/>
+        <c:crossAx val="199925896"/>
         <c:crosses val="max"/>
         <c:crossBetween val="midCat"/>
       </c:valAx>
@@ -13896,11 +13896,11 @@
           <c:showBubbleSize val="0"/>
         </c:dLbls>
         <c:gapWidth val="150"/>
-        <c:axId val="145243584"/>
-        <c:axId val="145242800"/>
+        <c:axId val="198391616"/>
+        <c:axId val="198392008"/>
       </c:barChart>
       <c:catAx>
-        <c:axId val="145243584"/>
+        <c:axId val="198391616"/>
         <c:scaling>
           <c:orientation val="minMax"/>
         </c:scaling>
@@ -13910,7 +13910,7 @@
         <c:majorTickMark val="out"/>
         <c:minorTickMark val="none"/>
         <c:tickLblPos val="nextTo"/>
-        <c:crossAx val="145242800"/>
+        <c:crossAx val="198392008"/>
         <c:crosses val="autoZero"/>
         <c:auto val="1"/>
         <c:lblAlgn val="ctr"/>
@@ -13918,7 +13918,7 @@
         <c:noMultiLvlLbl val="0"/>
       </c:catAx>
       <c:valAx>
-        <c:axId val="145242800"/>
+        <c:axId val="198392008"/>
         <c:scaling>
           <c:orientation val="minMax"/>
         </c:scaling>
@@ -13929,7 +13929,7 @@
         <c:majorTickMark val="out"/>
         <c:minorTickMark val="none"/>
         <c:tickLblPos val="nextTo"/>
-        <c:crossAx val="145243584"/>
+        <c:crossAx val="198391616"/>
         <c:crosses val="autoZero"/>
         <c:crossBetween val="between"/>
       </c:valAx>
@@ -14218,11 +14218,11 @@
           <c:showBubbleSize val="0"/>
         </c:dLbls>
         <c:gapWidth val="150"/>
-        <c:axId val="145243192"/>
-        <c:axId val="205251792"/>
+        <c:axId val="198397888"/>
+        <c:axId val="198394752"/>
       </c:barChart>
       <c:catAx>
-        <c:axId val="145243192"/>
+        <c:axId val="198397888"/>
         <c:scaling>
           <c:orientation val="minMax"/>
         </c:scaling>
@@ -14232,7 +14232,7 @@
         <c:majorTickMark val="out"/>
         <c:minorTickMark val="none"/>
         <c:tickLblPos val="nextTo"/>
-        <c:crossAx val="205251792"/>
+        <c:crossAx val="198394752"/>
         <c:crosses val="autoZero"/>
         <c:auto val="1"/>
         <c:lblAlgn val="ctr"/>
@@ -14240,7 +14240,7 @@
         <c:noMultiLvlLbl val="0"/>
       </c:catAx>
       <c:valAx>
-        <c:axId val="205251792"/>
+        <c:axId val="198394752"/>
         <c:scaling>
           <c:orientation val="minMax"/>
         </c:scaling>
@@ -14251,7 +14251,7 @@
         <c:majorTickMark val="out"/>
         <c:minorTickMark val="none"/>
         <c:tickLblPos val="nextTo"/>
-        <c:crossAx val="145243192"/>
+        <c:crossAx val="198397888"/>
         <c:crosses val="autoZero"/>
         <c:crossBetween val="between"/>
       </c:valAx>
@@ -14443,11 +14443,11 @@
           <c:showBubbleSize val="0"/>
         </c:dLbls>
         <c:gapWidth val="150"/>
-        <c:axId val="205252576"/>
-        <c:axId val="205237536"/>
+        <c:axId val="198611552"/>
+        <c:axId val="198609592"/>
       </c:barChart>
       <c:catAx>
-        <c:axId val="205252576"/>
+        <c:axId val="198611552"/>
         <c:scaling>
           <c:orientation val="minMax"/>
         </c:scaling>
@@ -14457,7 +14457,7 @@
         <c:majorTickMark val="out"/>
         <c:minorTickMark val="none"/>
         <c:tickLblPos val="nextTo"/>
-        <c:crossAx val="205237536"/>
+        <c:crossAx val="198609592"/>
         <c:crosses val="autoZero"/>
         <c:auto val="1"/>
         <c:lblAlgn val="ctr"/>
@@ -14465,7 +14465,7 @@
         <c:noMultiLvlLbl val="0"/>
       </c:catAx>
       <c:valAx>
-        <c:axId val="205237536"/>
+        <c:axId val="198609592"/>
         <c:scaling>
           <c:orientation val="minMax"/>
         </c:scaling>
@@ -14476,7 +14476,7 @@
         <c:majorTickMark val="out"/>
         <c:minorTickMark val="none"/>
         <c:tickLblPos val="nextTo"/>
-        <c:crossAx val="205252576"/>
+        <c:crossAx val="198611552"/>
         <c:crosses val="autoZero"/>
         <c:crossBetween val="between"/>
       </c:valAx>
@@ -14648,11 +14648,11 @@
           <c:showBubbleSize val="0"/>
         </c:dLbls>
         <c:gapWidth val="150"/>
-        <c:axId val="205241064"/>
-        <c:axId val="145222712"/>
+        <c:axId val="198611160"/>
+        <c:axId val="198610768"/>
       </c:barChart>
       <c:catAx>
-        <c:axId val="205241064"/>
+        <c:axId val="198611160"/>
         <c:scaling>
           <c:orientation val="minMax"/>
         </c:scaling>
@@ -14662,7 +14662,7 @@
         <c:majorTickMark val="out"/>
         <c:minorTickMark val="none"/>
         <c:tickLblPos val="nextTo"/>
-        <c:crossAx val="145222712"/>
+        <c:crossAx val="198610768"/>
         <c:crosses val="autoZero"/>
         <c:auto val="1"/>
         <c:lblAlgn val="ctr"/>
@@ -14670,7 +14670,7 @@
         <c:noMultiLvlLbl val="0"/>
       </c:catAx>
       <c:valAx>
-        <c:axId val="145222712"/>
+        <c:axId val="198610768"/>
         <c:scaling>
           <c:orientation val="minMax"/>
         </c:scaling>
@@ -14681,7 +14681,7 @@
         <c:majorTickMark val="out"/>
         <c:minorTickMark val="none"/>
         <c:tickLblPos val="nextTo"/>
-        <c:crossAx val="205241064"/>
+        <c:crossAx val="198611160"/>
         <c:crosses val="autoZero"/>
         <c:crossBetween val="between"/>
       </c:valAx>
@@ -14970,11 +14970,11 @@
           <c:showBubbleSize val="0"/>
         </c:dLbls>
         <c:gapWidth val="150"/>
-        <c:axId val="145223496"/>
-        <c:axId val="144293136"/>
+        <c:axId val="198610376"/>
+        <c:axId val="198612336"/>
       </c:barChart>
       <c:catAx>
-        <c:axId val="145223496"/>
+        <c:axId val="198610376"/>
         <c:scaling>
           <c:orientation val="minMax"/>
         </c:scaling>
@@ -14984,7 +14984,7 @@
         <c:majorTickMark val="out"/>
         <c:minorTickMark val="none"/>
         <c:tickLblPos val="nextTo"/>
-        <c:crossAx val="144293136"/>
+        <c:crossAx val="198612336"/>
         <c:crosses val="autoZero"/>
         <c:auto val="1"/>
         <c:lblAlgn val="ctr"/>
@@ -14992,7 +14992,7 @@
         <c:noMultiLvlLbl val="0"/>
       </c:catAx>
       <c:valAx>
-        <c:axId val="144293136"/>
+        <c:axId val="198612336"/>
         <c:scaling>
           <c:orientation val="minMax"/>
         </c:scaling>
@@ -15003,7 +15003,7 @@
         <c:majorTickMark val="out"/>
         <c:minorTickMark val="none"/>
         <c:tickLblPos val="nextTo"/>
-        <c:crossAx val="145223496"/>
+        <c:crossAx val="198610376"/>
         <c:crosses val="autoZero"/>
         <c:crossBetween val="between"/>
       </c:valAx>
@@ -15195,11 +15195,11 @@
           <c:showBubbleSize val="0"/>
         </c:dLbls>
         <c:gapWidth val="150"/>
-        <c:axId val="208821544"/>
-        <c:axId val="145676000"/>
+        <c:axId val="198613904"/>
+        <c:axId val="198716728"/>
       </c:barChart>
       <c:catAx>
-        <c:axId val="208821544"/>
+        <c:axId val="198613904"/>
         <c:scaling>
           <c:orientation val="minMax"/>
         </c:scaling>
@@ -15209,7 +15209,7 @@
         <c:majorTickMark val="out"/>
         <c:minorTickMark val="none"/>
         <c:tickLblPos val="nextTo"/>
-        <c:crossAx val="145676000"/>
+        <c:crossAx val="198716728"/>
         <c:crosses val="autoZero"/>
         <c:auto val="1"/>
         <c:lblAlgn val="ctr"/>
@@ -15217,7 +15217,7 @@
         <c:noMultiLvlLbl val="0"/>
       </c:catAx>
       <c:valAx>
-        <c:axId val="145676000"/>
+        <c:axId val="198716728"/>
         <c:scaling>
           <c:orientation val="minMax"/>
         </c:scaling>
@@ -15228,7 +15228,7 @@
         <c:majorTickMark val="out"/>
         <c:minorTickMark val="none"/>
         <c:tickLblPos val="nextTo"/>
-        <c:crossAx val="208821544"/>
+        <c:crossAx val="198613904"/>
         <c:crosses val="autoZero"/>
         <c:crossBetween val="between"/>
       </c:valAx>
@@ -15400,11 +15400,11 @@
           <c:showBubbleSize val="0"/>
         </c:dLbls>
         <c:gapWidth val="150"/>
-        <c:axId val="144293920"/>
-        <c:axId val="209005544"/>
+        <c:axId val="198720256"/>
+        <c:axId val="198717512"/>
       </c:barChart>
       <c:catAx>
-        <c:axId val="144293920"/>
+        <c:axId val="198720256"/>
         <c:scaling>
           <c:orientation val="minMax"/>
         </c:scaling>
@@ -15414,7 +15414,7 @@
         <c:majorTickMark val="out"/>
         <c:minorTickMark val="none"/>
         <c:tickLblPos val="nextTo"/>
-        <c:crossAx val="209005544"/>
+        <c:crossAx val="198717512"/>
         <c:crosses val="autoZero"/>
         <c:auto val="1"/>
         <c:lblAlgn val="ctr"/>
@@ -15422,7 +15422,7 @@
         <c:noMultiLvlLbl val="0"/>
       </c:catAx>
       <c:valAx>
-        <c:axId val="209005544"/>
+        <c:axId val="198717512"/>
         <c:scaling>
           <c:orientation val="minMax"/>
         </c:scaling>
@@ -15433,7 +15433,7 @@
         <c:majorTickMark val="out"/>
         <c:minorTickMark val="none"/>
         <c:tickLblPos val="nextTo"/>
-        <c:crossAx val="144293920"/>
+        <c:crossAx val="198720256"/>
         <c:crosses val="autoZero"/>
         <c:crossBetween val="between"/>
       </c:valAx>
@@ -15722,11 +15722,11 @@
           <c:showBubbleSize val="0"/>
         </c:dLbls>
         <c:gapWidth val="150"/>
-        <c:axId val="211873832"/>
-        <c:axId val="211874224"/>
+        <c:axId val="202502472"/>
+        <c:axId val="203199152"/>
       </c:barChart>
       <c:catAx>
-        <c:axId val="211873832"/>
+        <c:axId val="202502472"/>
         <c:scaling>
           <c:orientation val="minMax"/>
         </c:scaling>
@@ -15736,7 +15736,7 @@
         <c:majorTickMark val="out"/>
         <c:minorTickMark val="none"/>
         <c:tickLblPos val="nextTo"/>
-        <c:crossAx val="211874224"/>
+        <c:crossAx val="203199152"/>
         <c:crosses val="autoZero"/>
         <c:auto val="1"/>
         <c:lblAlgn val="ctr"/>
@@ -15744,7 +15744,7 @@
         <c:noMultiLvlLbl val="0"/>
       </c:catAx>
       <c:valAx>
-        <c:axId val="211874224"/>
+        <c:axId val="203199152"/>
         <c:scaling>
           <c:orientation val="minMax"/>
         </c:scaling>
@@ -15755,7 +15755,7 @@
         <c:majorTickMark val="out"/>
         <c:minorTickMark val="none"/>
         <c:tickLblPos val="nextTo"/>
-        <c:crossAx val="211873832"/>
+        <c:crossAx val="202502472"/>
         <c:crosses val="autoZero"/>
         <c:crossBetween val="between"/>
       </c:valAx>
@@ -15947,11 +15947,11 @@
           <c:showBubbleSize val="0"/>
         </c:dLbls>
         <c:gapWidth val="150"/>
-        <c:axId val="211875008"/>
-        <c:axId val="211875400"/>
+        <c:axId val="203203072"/>
+        <c:axId val="203202680"/>
       </c:barChart>
       <c:catAx>
-        <c:axId val="211875008"/>
+        <c:axId val="203203072"/>
         <c:scaling>
           <c:orientation val="minMax"/>
         </c:scaling>
@@ -15961,7 +15961,7 @@
         <c:majorTickMark val="out"/>
         <c:minorTickMark val="none"/>
         <c:tickLblPos val="nextTo"/>
-        <c:crossAx val="211875400"/>
+        <c:crossAx val="203202680"/>
         <c:crosses val="autoZero"/>
         <c:auto val="1"/>
         <c:lblAlgn val="ctr"/>
@@ -15969,7 +15969,7 @@
         <c:noMultiLvlLbl val="0"/>
       </c:catAx>
       <c:valAx>
-        <c:axId val="211875400"/>
+        <c:axId val="203202680"/>
         <c:scaling>
           <c:orientation val="minMax"/>
         </c:scaling>
@@ -15980,7 +15980,7 @@
         <c:majorTickMark val="out"/>
         <c:minorTickMark val="none"/>
         <c:tickLblPos val="nextTo"/>
-        <c:crossAx val="211875008"/>
+        <c:crossAx val="203203072"/>
         <c:crosses val="autoZero"/>
         <c:crossBetween val="between"/>
       </c:valAx>
@@ -16205,11 +16205,11 @@
           <c:showBubbleSize val="0"/>
         </c:dLbls>
         <c:gapWidth val="150"/>
-        <c:axId val="208822720"/>
-        <c:axId val="208822328"/>
+        <c:axId val="199909512"/>
+        <c:axId val="199909120"/>
       </c:barChart>
       <c:catAx>
-        <c:axId val="208822720"/>
+        <c:axId val="199909512"/>
         <c:scaling>
           <c:orientation val="minMax"/>
         </c:scaling>
@@ -16219,7 +16219,7 @@
         <c:majorTickMark val="out"/>
         <c:minorTickMark val="none"/>
         <c:tickLblPos val="nextTo"/>
-        <c:crossAx val="208822328"/>
+        <c:crossAx val="199909120"/>
         <c:crosses val="autoZero"/>
         <c:auto val="1"/>
         <c:lblAlgn val="ctr"/>
@@ -16227,7 +16227,7 @@
         <c:noMultiLvlLbl val="0"/>
       </c:catAx>
       <c:valAx>
-        <c:axId val="208822328"/>
+        <c:axId val="199909120"/>
         <c:scaling>
           <c:orientation val="minMax"/>
         </c:scaling>
@@ -16238,7 +16238,7 @@
         <c:majorTickMark val="out"/>
         <c:minorTickMark val="none"/>
         <c:tickLblPos val="nextTo"/>
-        <c:crossAx val="208822720"/>
+        <c:crossAx val="199909512"/>
         <c:crosses val="autoZero"/>
         <c:crossBetween val="between"/>
       </c:valAx>
@@ -16397,11 +16397,11 @@
           <c:showBubbleSize val="0"/>
         </c:dLbls>
         <c:gapWidth val="150"/>
-        <c:axId val="208819584"/>
-        <c:axId val="208818016"/>
+        <c:axId val="201267408"/>
+        <c:axId val="201265448"/>
       </c:barChart>
       <c:catAx>
-        <c:axId val="208819584"/>
+        <c:axId val="201267408"/>
         <c:scaling>
           <c:orientation val="minMax"/>
         </c:scaling>
@@ -16411,7 +16411,7 @@
         <c:majorTickMark val="out"/>
         <c:minorTickMark val="none"/>
         <c:tickLblPos val="nextTo"/>
-        <c:crossAx val="208818016"/>
+        <c:crossAx val="201265448"/>
         <c:crosses val="autoZero"/>
         <c:auto val="1"/>
         <c:lblAlgn val="ctr"/>
@@ -16419,7 +16419,7 @@
         <c:noMultiLvlLbl val="0"/>
       </c:catAx>
       <c:valAx>
-        <c:axId val="208818016"/>
+        <c:axId val="201265448"/>
         <c:scaling>
           <c:orientation val="minMax"/>
         </c:scaling>
@@ -16430,7 +16430,7 @@
         <c:majorTickMark val="out"/>
         <c:minorTickMark val="none"/>
         <c:tickLblPos val="nextTo"/>
-        <c:crossAx val="208819584"/>
+        <c:crossAx val="201267408"/>
         <c:crosses val="autoZero"/>
         <c:crossBetween val="between"/>
       </c:valAx>
@@ -16575,11 +16575,11 @@
           <c:showBubbleSize val="0"/>
         </c:dLbls>
         <c:gapWidth val="150"/>
-        <c:axId val="208959288"/>
-        <c:axId val="208958896"/>
+        <c:axId val="201266624"/>
+        <c:axId val="201266232"/>
       </c:barChart>
       <c:catAx>
-        <c:axId val="208959288"/>
+        <c:axId val="201266624"/>
         <c:scaling>
           <c:orientation val="minMax"/>
         </c:scaling>
@@ -16589,7 +16589,7 @@
         <c:majorTickMark val="out"/>
         <c:minorTickMark val="none"/>
         <c:tickLblPos val="nextTo"/>
-        <c:crossAx val="208958896"/>
+        <c:crossAx val="201266232"/>
         <c:crosses val="autoZero"/>
         <c:auto val="0"/>
         <c:lblAlgn val="ctr"/>
@@ -16597,7 +16597,7 @@
         <c:noMultiLvlLbl val="0"/>
       </c:catAx>
       <c:valAx>
-        <c:axId val="208958896"/>
+        <c:axId val="201266232"/>
         <c:scaling>
           <c:orientation val="minMax"/>
         </c:scaling>
@@ -16608,7 +16608,7 @@
         <c:majorTickMark val="out"/>
         <c:minorTickMark val="none"/>
         <c:tickLblPos val="nextTo"/>
-        <c:crossAx val="208959288"/>
+        <c:crossAx val="201266624"/>
         <c:crosses val="max"/>
         <c:crossBetween val="between"/>
       </c:valAx>
@@ -16753,11 +16753,11 @@
           <c:showBubbleSize val="0"/>
         </c:dLbls>
         <c:gapWidth val="150"/>
-        <c:axId val="208958112"/>
-        <c:axId val="208957720"/>
+        <c:axId val="201271720"/>
+        <c:axId val="201271328"/>
       </c:barChart>
       <c:catAx>
-        <c:axId val="208958112"/>
+        <c:axId val="201271720"/>
         <c:scaling>
           <c:orientation val="minMax"/>
         </c:scaling>
@@ -16767,7 +16767,7 @@
         <c:majorTickMark val="out"/>
         <c:minorTickMark val="none"/>
         <c:tickLblPos val="nextTo"/>
-        <c:crossAx val="208957720"/>
+        <c:crossAx val="201271328"/>
         <c:crosses val="autoZero"/>
         <c:auto val="1"/>
         <c:lblAlgn val="ctr"/>
@@ -16775,7 +16775,7 @@
         <c:noMultiLvlLbl val="0"/>
       </c:catAx>
       <c:valAx>
-        <c:axId val="208957720"/>
+        <c:axId val="201271328"/>
         <c:scaling>
           <c:orientation val="minMax"/>
         </c:scaling>
@@ -16786,7 +16786,7 @@
         <c:majorTickMark val="out"/>
         <c:minorTickMark val="none"/>
         <c:tickLblPos val="nextTo"/>
-        <c:crossAx val="208958112"/>
+        <c:crossAx val="201271720"/>
         <c:crosses val="autoZero"/>
         <c:crossBetween val="between"/>
       </c:valAx>
@@ -17015,11 +17015,11 @@
           <c:showBubbleSize val="0"/>
         </c:dLbls>
         <c:gapWidth val="150"/>
-        <c:axId val="208956936"/>
-        <c:axId val="208956544"/>
+        <c:axId val="201270544"/>
+        <c:axId val="201270152"/>
       </c:barChart>
       <c:catAx>
-        <c:axId val="208956936"/>
+        <c:axId val="201270544"/>
         <c:scaling>
           <c:orientation val="minMax"/>
         </c:scaling>
@@ -17029,7 +17029,7 @@
         <c:majorTickMark val="out"/>
         <c:minorTickMark val="none"/>
         <c:tickLblPos val="nextTo"/>
-        <c:crossAx val="208956544"/>
+        <c:crossAx val="201270152"/>
         <c:crosses val="autoZero"/>
         <c:auto val="1"/>
         <c:lblAlgn val="ctr"/>
@@ -17037,7 +17037,7 @@
         <c:noMultiLvlLbl val="0"/>
       </c:catAx>
       <c:valAx>
-        <c:axId val="208956544"/>
+        <c:axId val="201270152"/>
         <c:scaling>
           <c:orientation val="minMax"/>
         </c:scaling>
@@ -17048,7 +17048,7 @@
         <c:majorTickMark val="out"/>
         <c:minorTickMark val="none"/>
         <c:tickLblPos val="nextTo"/>
-        <c:crossAx val="208956936"/>
+        <c:crossAx val="201270544"/>
         <c:crosses val="autoZero"/>
         <c:crossBetween val="between"/>
       </c:valAx>
@@ -17204,11 +17204,11 @@
           <c:showBubbleSize val="0"/>
         </c:dLbls>
         <c:gapWidth val="150"/>
-        <c:axId val="208955760"/>
-        <c:axId val="208955368"/>
+        <c:axId val="201269368"/>
+        <c:axId val="201268976"/>
       </c:barChart>
       <c:catAx>
-        <c:axId val="208955760"/>
+        <c:axId val="201269368"/>
         <c:scaling>
           <c:orientation val="minMax"/>
         </c:scaling>
@@ -17218,7 +17218,7 @@
         <c:majorTickMark val="out"/>
         <c:minorTickMark val="none"/>
         <c:tickLblPos val="nextTo"/>
-        <c:crossAx val="208955368"/>
+        <c:crossAx val="201268976"/>
         <c:crosses val="autoZero"/>
         <c:auto val="1"/>
         <c:lblAlgn val="ctr"/>
@@ -17226,7 +17226,7 @@
         <c:noMultiLvlLbl val="0"/>
       </c:catAx>
       <c:valAx>
-        <c:axId val="208955368"/>
+        <c:axId val="201268976"/>
         <c:scaling>
           <c:orientation val="minMax"/>
         </c:scaling>
@@ -17237,7 +17237,7 @@
         <c:majorTickMark val="out"/>
         <c:minorTickMark val="none"/>
         <c:tickLblPos val="nextTo"/>
-        <c:crossAx val="208955760"/>
+        <c:crossAx val="201269368"/>
         <c:crosses val="autoZero"/>
         <c:crossBetween val="between"/>
       </c:valAx>
@@ -17379,11 +17379,11 @@
           <c:showBubbleSize val="0"/>
         </c:dLbls>
         <c:gapWidth val="150"/>
-        <c:axId val="208953408"/>
-        <c:axId val="209008288"/>
+        <c:axId val="201267016"/>
+        <c:axId val="201264664"/>
       </c:barChart>
       <c:catAx>
-        <c:axId val="208953408"/>
+        <c:axId val="201267016"/>
         <c:scaling>
           <c:orientation val="minMax"/>
         </c:scaling>
@@ -17393,7 +17393,7 @@
         <c:majorTickMark val="out"/>
         <c:minorTickMark val="none"/>
         <c:tickLblPos val="nextTo"/>
-        <c:crossAx val="209008288"/>
+        <c:crossAx val="201264664"/>
         <c:crosses val="autoZero"/>
         <c:auto val="1"/>
         <c:lblAlgn val="ctr"/>
@@ -17401,7 +17401,7 @@
         <c:noMultiLvlLbl val="0"/>
       </c:catAx>
       <c:valAx>
-        <c:axId val="209008288"/>
+        <c:axId val="201264664"/>
         <c:scaling>
           <c:orientation val="minMax"/>
         </c:scaling>
@@ -17412,7 +17412,7 @@
         <c:majorTickMark val="out"/>
         <c:minorTickMark val="none"/>
         <c:tickLblPos val="nextTo"/>
-        <c:crossAx val="208953408"/>
+        <c:crossAx val="201267016"/>
         <c:crosses val="autoZero"/>
         <c:crossBetween val="between"/>
       </c:valAx>
@@ -23536,11 +23536,7 @@
             </a:pPr>
             <a:r>
               <a:rPr lang="en-US" sz="2400" dirty="0" smtClean="0"/>
-              <a:t>What’s going on over there</a:t>
-            </a:r>
-            <a:r>
-              <a:rPr lang="en-US" sz="2400" dirty="0" smtClean="0"/>
-              <a:t>?</a:t>
+              <a:t>What’s going on over there?</a:t>
             </a:r>
           </a:p>
           <a:p>
@@ -23553,7 +23549,6 @@
               <a:rPr lang="en-US" sz="2400" dirty="0" smtClean="0"/>
               <a:t>Why no rebound as in Mexico and Korea?  </a:t>
             </a:r>
-            <a:endParaRPr lang="en-US" sz="2400" dirty="0" smtClean="0"/>
           </a:p>
           <a:p>
             <a:pPr>
@@ -23623,7 +23618,6 @@
               <a:rPr lang="en-US" sz="2000" dirty="0" smtClean="0"/>
               <a:t>Exacerbated by common currency [how?] </a:t>
             </a:r>
-            <a:endParaRPr lang="en-US" sz="2000" dirty="0" smtClean="0"/>
           </a:p>
           <a:p>
             <a:pPr lvl="1">
@@ -23639,7 +23633,6 @@
               <a:rPr lang="en-US" sz="2000" dirty="0" smtClean="0"/>
               <a:t>policy response </a:t>
             </a:r>
-            <a:endParaRPr lang="en-US" sz="2000" dirty="0" smtClean="0"/>
           </a:p>
         </p:txBody>
       </p:sp>
@@ -55937,7 +55930,23 @@
             </a:pPr>
             <a:r>
               <a:rPr lang="en-US" sz="2000" dirty="0" smtClean="0"/>
-              <a:t>Not mentioned:  Chinese price indexes of poor quality, makes PPP calculations noisy</a:t>
+              <a:t>Not mentioned:  Chinese </a:t>
+            </a:r>
+            <a:r>
+              <a:rPr lang="en-US" sz="2000" smtClean="0"/>
+              <a:t>price </a:t>
+            </a:r>
+            <a:r>
+              <a:rPr lang="en-US" sz="2000" smtClean="0"/>
+              <a:t>data is</a:t>
+            </a:r>
+            <a:r>
+              <a:rPr lang="en-US" sz="2000" smtClean="0"/>
+              <a:t> </a:t>
+            </a:r>
+            <a:r>
+              <a:rPr lang="en-US" sz="2000" dirty="0" smtClean="0"/>
+              <a:t>poor quality, makes PPP calculations noisy</a:t>
             </a:r>
           </a:p>
           <a:p>
